--- a/powerpoint template.pptx
+++ b/powerpoint template.pptx
@@ -6,6 +6,7 @@
   </p:sldMasterIdLst>
   <p:sldIdLst>
     <p:sldId id="271" r:id="rId2"/>
+    <p:sldId id="272" r:id="rId3"/>
   </p:sldIdLst>
   <p:sldSz cx="12192000" cy="6858000"/>
   <p:notesSz cx="6858000" cy="9144000"/>
@@ -104,7 +105,97 @@
       </a:defRPr>
     </a:lvl9pPr>
   </p:defaultTextStyle>
+  <p:extLst>
+    <p:ext uri="{EFAFB233-063F-42B5-8137-9DF3F51BA10A}">
+      <p15:sldGuideLst xmlns:p15="http://schemas.microsoft.com/office/powerpoint/2012/main"/>
+    </p:ext>
+  </p:extLst>
 </p:presentation>
+</file>
+
+<file path=ppt/revisionInfo.xml><?xml version="1.0" encoding="utf-8"?>
+<p1510:revInfo xmlns:a="http://schemas.openxmlformats.org/drawingml/2006/main" xmlns:r="http://schemas.openxmlformats.org/officeDocument/2006/relationships" xmlns:p1510="http://schemas.microsoft.com/office/powerpoint/2015/10/main">
+  <p1510:revLst>
+    <p1510:client id="{CC8D3CF3-A502-41C7-B19D-EAC2BFE79EFF}" v="1" dt="2021-12-13T14:21:25.390"/>
+  </p1510:revLst>
+</p1510:revInfo>
+</file>
+
+<file path=ppt/changesInfos/changesInfo1.xml><?xml version="1.0" encoding="utf-8"?>
+<pc:chgInfo xmlns:a="http://schemas.openxmlformats.org/drawingml/2006/main" xmlns:r="http://schemas.openxmlformats.org/officeDocument/2006/relationships" xmlns:ac="http://schemas.microsoft.com/office/drawing/2013/main/command" xmlns:pc="http://schemas.microsoft.com/office/powerpoint/2013/main/command">
+  <pc:docChgLst>
+    <pc:chgData name="Zach Schultz" userId="46d98f97-e352-45e8-8365-c5544090bacc" providerId="ADAL" clId="{CC8D3CF3-A502-41C7-B19D-EAC2BFE79EFF}"/>
+    <pc:docChg chg="custSel addSld modSld">
+      <pc:chgData name="Zach Schultz" userId="46d98f97-e352-45e8-8365-c5544090bacc" providerId="ADAL" clId="{CC8D3CF3-A502-41C7-B19D-EAC2BFE79EFF}" dt="2021-12-13T14:28:50.839" v="30" actId="1076"/>
+      <pc:docMkLst>
+        <pc:docMk/>
+      </pc:docMkLst>
+      <pc:sldChg chg="addSp delSp modSp add mod">
+        <pc:chgData name="Zach Schultz" userId="46d98f97-e352-45e8-8365-c5544090bacc" providerId="ADAL" clId="{CC8D3CF3-A502-41C7-B19D-EAC2BFE79EFF}" dt="2021-12-13T14:28:50.839" v="30" actId="1076"/>
+        <pc:sldMkLst>
+          <pc:docMk/>
+          <pc:sldMk cId="3663949154" sldId="272"/>
+        </pc:sldMkLst>
+        <pc:spChg chg="del">
+          <ac:chgData name="Zach Schultz" userId="46d98f97-e352-45e8-8365-c5544090bacc" providerId="ADAL" clId="{CC8D3CF3-A502-41C7-B19D-EAC2BFE79EFF}" dt="2021-12-13T14:20:51.529" v="1" actId="478"/>
+          <ac:spMkLst>
+            <pc:docMk/>
+            <pc:sldMk cId="3663949154" sldId="272"/>
+            <ac:spMk id="4" creationId="{BE92B574-D320-4E0D-BBFD-6CE973817EBE}"/>
+          </ac:spMkLst>
+        </pc:spChg>
+        <pc:spChg chg="del">
+          <ac:chgData name="Zach Schultz" userId="46d98f97-e352-45e8-8365-c5544090bacc" providerId="ADAL" clId="{CC8D3CF3-A502-41C7-B19D-EAC2BFE79EFF}" dt="2021-12-13T14:20:51.529" v="1" actId="478"/>
+          <ac:spMkLst>
+            <pc:docMk/>
+            <pc:sldMk cId="3663949154" sldId="272"/>
+            <ac:spMk id="5" creationId="{0A691029-AEEE-480A-875C-C0F2FEDFE5BF}"/>
+          </ac:spMkLst>
+        </pc:spChg>
+        <pc:spChg chg="add mod">
+          <ac:chgData name="Zach Schultz" userId="46d98f97-e352-45e8-8365-c5544090bacc" providerId="ADAL" clId="{CC8D3CF3-A502-41C7-B19D-EAC2BFE79EFF}" dt="2021-12-13T14:21:29.841" v="23" actId="20577"/>
+          <ac:spMkLst>
+            <pc:docMk/>
+            <pc:sldMk cId="3663949154" sldId="272"/>
+            <ac:spMk id="6" creationId="{6D589AC2-8DA2-4557-A3A7-349AE198DDCA}"/>
+          </ac:spMkLst>
+        </pc:spChg>
+        <pc:picChg chg="add mod">
+          <ac:chgData name="Zach Schultz" userId="46d98f97-e352-45e8-8365-c5544090bacc" providerId="ADAL" clId="{CC8D3CF3-A502-41C7-B19D-EAC2BFE79EFF}" dt="2021-12-13T14:21:09.970" v="3" actId="1076"/>
+          <ac:picMkLst>
+            <pc:docMk/>
+            <pc:sldMk cId="3663949154" sldId="272"/>
+            <ac:picMk id="3" creationId="{87B77E98-CBE0-46E2-A7ED-C57467F07EDB}"/>
+          </ac:picMkLst>
+        </pc:picChg>
+        <pc:picChg chg="add mod">
+          <ac:chgData name="Zach Schultz" userId="46d98f97-e352-45e8-8365-c5544090bacc" providerId="ADAL" clId="{CC8D3CF3-A502-41C7-B19D-EAC2BFE79EFF}" dt="2021-12-13T14:21:52.874" v="26" actId="1076"/>
+          <ac:picMkLst>
+            <pc:docMk/>
+            <pc:sldMk cId="3663949154" sldId="272"/>
+            <ac:picMk id="9" creationId="{80CD04F3-2F86-49A6-A8EA-7F78394AB384}"/>
+          </ac:picMkLst>
+        </pc:picChg>
+        <pc:picChg chg="add mod">
+          <ac:chgData name="Zach Schultz" userId="46d98f97-e352-45e8-8365-c5544090bacc" providerId="ADAL" clId="{CC8D3CF3-A502-41C7-B19D-EAC2BFE79EFF}" dt="2021-12-13T14:28:50.839" v="30" actId="1076"/>
+          <ac:picMkLst>
+            <pc:docMk/>
+            <pc:sldMk cId="3663949154" sldId="272"/>
+            <ac:picMk id="11" creationId="{E1F00249-D8AB-4854-A0A1-A26EEA41582D}"/>
+          </ac:picMkLst>
+        </pc:picChg>
+        <pc:cxnChg chg="del">
+          <ac:chgData name="Zach Schultz" userId="46d98f97-e352-45e8-8365-c5544090bacc" providerId="ADAL" clId="{CC8D3CF3-A502-41C7-B19D-EAC2BFE79EFF}" dt="2021-12-13T14:20:51.529" v="1" actId="478"/>
+          <ac:cxnSpMkLst>
+            <pc:docMk/>
+            <pc:sldMk cId="3663949154" sldId="272"/>
+            <ac:cxnSpMk id="8" creationId="{96DA23DD-49B2-4AA3-A2E1-3B571947D052}"/>
+          </ac:cxnSpMkLst>
+        </pc:cxnChg>
+      </pc:sldChg>
+    </pc:docChg>
+  </pc:docChgLst>
+</pc:chgInfo>
 </file>
 
 <file path=ppt/slideLayouts/slideLayout1.xml><?xml version="1.0" encoding="utf-8"?>
@@ -254,7 +345,7 @@
           <a:p>
             <a:fld id="{A68307F7-E021-4D3E-95FE-AD75F7312D22}" type="datetimeFigureOut">
               <a:rPr lang="en-US" smtClean="0"/>
-              <a:t>8/17/2021</a:t>
+              <a:t>12/13/2021</a:t>
             </a:fld>
             <a:endParaRPr lang="en-US"/>
           </a:p>
@@ -452,7 +543,7 @@
           <a:p>
             <a:fld id="{A68307F7-E021-4D3E-95FE-AD75F7312D22}" type="datetimeFigureOut">
               <a:rPr lang="en-US" smtClean="0"/>
-              <a:t>8/17/2021</a:t>
+              <a:t>12/13/2021</a:t>
             </a:fld>
             <a:endParaRPr lang="en-US"/>
           </a:p>
@@ -660,7 +751,7 @@
           <a:p>
             <a:fld id="{A68307F7-E021-4D3E-95FE-AD75F7312D22}" type="datetimeFigureOut">
               <a:rPr lang="en-US" smtClean="0"/>
-              <a:t>8/17/2021</a:t>
+              <a:t>12/13/2021</a:t>
             </a:fld>
             <a:endParaRPr lang="en-US"/>
           </a:p>
@@ -858,7 +949,7 @@
           <a:p>
             <a:fld id="{A68307F7-E021-4D3E-95FE-AD75F7312D22}" type="datetimeFigureOut">
               <a:rPr lang="en-US" smtClean="0"/>
-              <a:t>8/17/2021</a:t>
+              <a:t>12/13/2021</a:t>
             </a:fld>
             <a:endParaRPr lang="en-US"/>
           </a:p>
@@ -1133,7 +1224,7 @@
           <a:p>
             <a:fld id="{A68307F7-E021-4D3E-95FE-AD75F7312D22}" type="datetimeFigureOut">
               <a:rPr lang="en-US" smtClean="0"/>
-              <a:t>8/17/2021</a:t>
+              <a:t>12/13/2021</a:t>
             </a:fld>
             <a:endParaRPr lang="en-US"/>
           </a:p>
@@ -1398,7 +1489,7 @@
           <a:p>
             <a:fld id="{A68307F7-E021-4D3E-95FE-AD75F7312D22}" type="datetimeFigureOut">
               <a:rPr lang="en-US" smtClean="0"/>
-              <a:t>8/17/2021</a:t>
+              <a:t>12/13/2021</a:t>
             </a:fld>
             <a:endParaRPr lang="en-US"/>
           </a:p>
@@ -1810,7 +1901,7 @@
           <a:p>
             <a:fld id="{A68307F7-E021-4D3E-95FE-AD75F7312D22}" type="datetimeFigureOut">
               <a:rPr lang="en-US" smtClean="0"/>
-              <a:t>8/17/2021</a:t>
+              <a:t>12/13/2021</a:t>
             </a:fld>
             <a:endParaRPr lang="en-US"/>
           </a:p>
@@ -1951,7 +2042,7 @@
           <a:p>
             <a:fld id="{A68307F7-E021-4D3E-95FE-AD75F7312D22}" type="datetimeFigureOut">
               <a:rPr lang="en-US" smtClean="0"/>
-              <a:t>8/17/2021</a:t>
+              <a:t>12/13/2021</a:t>
             </a:fld>
             <a:endParaRPr lang="en-US"/>
           </a:p>
@@ -2064,7 +2155,7 @@
           <a:p>
             <a:fld id="{A68307F7-E021-4D3E-95FE-AD75F7312D22}" type="datetimeFigureOut">
               <a:rPr lang="en-US" smtClean="0"/>
-              <a:t>8/17/2021</a:t>
+              <a:t>12/13/2021</a:t>
             </a:fld>
             <a:endParaRPr lang="en-US"/>
           </a:p>
@@ -2375,7 +2466,7 @@
           <a:p>
             <a:fld id="{A68307F7-E021-4D3E-95FE-AD75F7312D22}" type="datetimeFigureOut">
               <a:rPr lang="en-US" smtClean="0"/>
-              <a:t>8/17/2021</a:t>
+              <a:t>12/13/2021</a:t>
             </a:fld>
             <a:endParaRPr lang="en-US"/>
           </a:p>
@@ -2663,7 +2754,7 @@
           <a:p>
             <a:fld id="{A68307F7-E021-4D3E-95FE-AD75F7312D22}" type="datetimeFigureOut">
               <a:rPr lang="en-US" smtClean="0"/>
-              <a:t>8/17/2021</a:t>
+              <a:t>12/13/2021</a:t>
             </a:fld>
             <a:endParaRPr lang="en-US"/>
           </a:p>
@@ -2904,7 +2995,7 @@
           <a:p>
             <a:fld id="{A68307F7-E021-4D3E-95FE-AD75F7312D22}" type="datetimeFigureOut">
               <a:rPr lang="en-US" smtClean="0"/>
-              <a:t>8/17/2021</a:t>
+              <a:t>12/13/2021</a:t>
             </a:fld>
             <a:endParaRPr lang="en-US"/>
           </a:p>
@@ -3489,6 +3580,161 @@
 </p:sld>
 </file>
 
+<file path=ppt/slides/slide2.xml><?xml version="1.0" encoding="utf-8"?>
+<p:sld xmlns:a="http://schemas.openxmlformats.org/drawingml/2006/main" xmlns:r="http://schemas.openxmlformats.org/officeDocument/2006/relationships" xmlns:p="http://schemas.openxmlformats.org/presentationml/2006/main">
+  <p:cSld>
+    <p:spTree>
+      <p:nvGrpSpPr>
+        <p:cNvPr id="1" name=""/>
+        <p:cNvGrpSpPr/>
+        <p:nvPr/>
+      </p:nvGrpSpPr>
+      <p:grpSpPr>
+        <a:xfrm>
+          <a:off x="0" y="0"/>
+          <a:ext cx="0" cy="0"/>
+          <a:chOff x="0" y="0"/>
+          <a:chExt cx="0" cy="0"/>
+        </a:xfrm>
+      </p:grpSpPr>
+      <p:pic>
+        <p:nvPicPr>
+          <p:cNvPr id="3" name="Picture 2">
+            <a:extLst>
+              <a:ext uri="{FF2B5EF4-FFF2-40B4-BE49-F238E27FC236}">
+                <a16:creationId xmlns:a16="http://schemas.microsoft.com/office/drawing/2014/main" id="{87B77E98-CBE0-46E2-A7ED-C57467F07EDB}"/>
+              </a:ext>
+            </a:extLst>
+          </p:cNvPr>
+          <p:cNvPicPr>
+            <a:picLocks noChangeAspect="1"/>
+          </p:cNvPicPr>
+          <p:nvPr/>
+        </p:nvPicPr>
+        <p:blipFill>
+          <a:blip r:embed="rId2"/>
+          <a:stretch>
+            <a:fillRect/>
+          </a:stretch>
+        </p:blipFill>
+        <p:spPr>
+          <a:xfrm>
+            <a:off x="212457" y="112496"/>
+            <a:ext cx="4180952" cy="4990476"/>
+          </a:xfrm>
+          <a:prstGeom prst="rect">
+            <a:avLst/>
+          </a:prstGeom>
+        </p:spPr>
+      </p:pic>
+      <p:sp>
+        <p:nvSpPr>
+          <p:cNvPr id="6" name="TextBox 5">
+            <a:extLst>
+              <a:ext uri="{FF2B5EF4-FFF2-40B4-BE49-F238E27FC236}">
+                <a16:creationId xmlns:a16="http://schemas.microsoft.com/office/drawing/2014/main" id="{6D589AC2-8DA2-4557-A3A7-349AE198DDCA}"/>
+              </a:ext>
+            </a:extLst>
+          </p:cNvPr>
+          <p:cNvSpPr txBox="1"/>
+          <p:nvPr/>
+        </p:nvSpPr>
+        <p:spPr>
+          <a:xfrm>
+            <a:off x="5039360" y="406400"/>
+            <a:ext cx="1275670" cy="369332"/>
+          </a:xfrm>
+          <a:prstGeom prst="rect">
+            <a:avLst/>
+          </a:prstGeom>
+          <a:noFill/>
+        </p:spPr>
+        <p:txBody>
+          <a:bodyPr wrap="none" rtlCol="0">
+            <a:spAutoFit/>
+          </a:bodyPr>
+          <a:lstStyle/>
+          <a:p>
+            <a:r>
+              <a:rPr lang="en-US" dirty="0"/>
+              <a:t>Nice tooltip</a:t>
+            </a:r>
+          </a:p>
+        </p:txBody>
+      </p:sp>
+      <p:pic>
+        <p:nvPicPr>
+          <p:cNvPr id="9" name="Picture 8">
+            <a:extLst>
+              <a:ext uri="{FF2B5EF4-FFF2-40B4-BE49-F238E27FC236}">
+                <a16:creationId xmlns:a16="http://schemas.microsoft.com/office/drawing/2014/main" id="{80CD04F3-2F86-49A6-A8EA-7F78394AB384}"/>
+              </a:ext>
+            </a:extLst>
+          </p:cNvPr>
+          <p:cNvPicPr>
+            <a:picLocks noChangeAspect="1"/>
+          </p:cNvPicPr>
+          <p:nvPr/>
+        </p:nvPicPr>
+        <p:blipFill>
+          <a:blip r:embed="rId3"/>
+          <a:stretch>
+            <a:fillRect/>
+          </a:stretch>
+        </p:blipFill>
+        <p:spPr>
+          <a:xfrm>
+            <a:off x="5720080" y="1242498"/>
+            <a:ext cx="6363238" cy="3860474"/>
+          </a:xfrm>
+          <a:prstGeom prst="rect">
+            <a:avLst/>
+          </a:prstGeom>
+        </p:spPr>
+      </p:pic>
+      <p:pic>
+        <p:nvPicPr>
+          <p:cNvPr id="11" name="Picture 10">
+            <a:extLst>
+              <a:ext uri="{FF2B5EF4-FFF2-40B4-BE49-F238E27FC236}">
+                <a16:creationId xmlns:a16="http://schemas.microsoft.com/office/drawing/2014/main" id="{E1F00249-D8AB-4854-A0A1-A26EEA41582D}"/>
+              </a:ext>
+            </a:extLst>
+          </p:cNvPr>
+          <p:cNvPicPr>
+            <a:picLocks noChangeAspect="1"/>
+          </p:cNvPicPr>
+          <p:nvPr/>
+        </p:nvPicPr>
+        <p:blipFill>
+          <a:blip r:embed="rId4"/>
+          <a:stretch>
+            <a:fillRect/>
+          </a:stretch>
+        </p:blipFill>
+        <p:spPr>
+          <a:xfrm>
+            <a:off x="10029100" y="5212080"/>
+            <a:ext cx="1609524" cy="1574800"/>
+          </a:xfrm>
+          <a:prstGeom prst="rect">
+            <a:avLst/>
+          </a:prstGeom>
+        </p:spPr>
+      </p:pic>
+    </p:spTree>
+    <p:extLst>
+      <p:ext uri="{BB962C8B-B14F-4D97-AF65-F5344CB8AC3E}">
+        <p14:creationId xmlns:p14="http://schemas.microsoft.com/office/powerpoint/2010/main" val="3663949154"/>
+      </p:ext>
+    </p:extLst>
+  </p:cSld>
+  <p:clrMapOvr>
+    <a:masterClrMapping/>
+  </p:clrMapOvr>
+</p:sld>
+</file>
+
 <file path=ppt/theme/theme1.xml><?xml version="1.0" encoding="utf-8"?>
 <a:theme xmlns:a="http://schemas.openxmlformats.org/drawingml/2006/main" name="Office Theme">
   <a:themeElements>
